--- a/Präsentation/Präsentation MSP Fertig.pptx
+++ b/Präsentation/Präsentation MSP Fertig.pptx
@@ -448,11 +448,11 @@
           <c:showBubbleSize val="0"/>
         </c:dLbls>
         <c:smooth val="0"/>
-        <c:axId val="252564664"/>
-        <c:axId val="252567408"/>
+        <c:axId val="991337408"/>
+        <c:axId val="991342848"/>
       </c:lineChart>
       <c:catAx>
-        <c:axId val="252564664"/>
+        <c:axId val="991337408"/>
         <c:scaling>
           <c:orientation val="minMax"/>
         </c:scaling>
@@ -495,7 +495,7 @@
             <a:endParaRPr lang="de-DE"/>
           </a:p>
         </c:txPr>
-        <c:crossAx val="252567408"/>
+        <c:crossAx val="991342848"/>
         <c:crosses val="autoZero"/>
         <c:auto val="1"/>
         <c:lblAlgn val="ctr"/>
@@ -503,7 +503,7 @@
         <c:noMultiLvlLbl val="0"/>
       </c:catAx>
       <c:valAx>
-        <c:axId val="252567408"/>
+        <c:axId val="991342848"/>
         <c:scaling>
           <c:orientation val="minMax"/>
         </c:scaling>
@@ -554,7 +554,7 @@
             <a:endParaRPr lang="de-DE"/>
           </a:p>
         </c:txPr>
-        <c:crossAx val="252564664"/>
+        <c:crossAx val="991337408"/>
         <c:crosses val="autoZero"/>
         <c:crossBetween val="midCat"/>
       </c:valAx>
@@ -778,11 +778,11 @@
           <c:showBubbleSize val="0"/>
         </c:dLbls>
         <c:gapWidth val="150"/>
-        <c:axId val="252566232"/>
-        <c:axId val="252568584"/>
+        <c:axId val="991343936"/>
+        <c:axId val="991345024"/>
       </c:barChart>
       <c:catAx>
-        <c:axId val="252566232"/>
+        <c:axId val="991343936"/>
         <c:scaling>
           <c:orientation val="minMax"/>
         </c:scaling>
@@ -792,7 +792,7 @@
         <c:majorTickMark val="out"/>
         <c:minorTickMark val="none"/>
         <c:tickLblPos val="nextTo"/>
-        <c:crossAx val="252568584"/>
+        <c:crossAx val="991345024"/>
         <c:crosses val="autoZero"/>
         <c:auto val="1"/>
         <c:lblAlgn val="ctr"/>
@@ -800,7 +800,7 @@
         <c:noMultiLvlLbl val="0"/>
       </c:catAx>
       <c:valAx>
-        <c:axId val="252568584"/>
+        <c:axId val="991345024"/>
         <c:scaling>
           <c:orientation val="minMax"/>
         </c:scaling>
@@ -811,14 +811,13 @@
         <c:majorTickMark val="out"/>
         <c:minorTickMark val="none"/>
         <c:tickLblPos val="nextTo"/>
-        <c:crossAx val="252566232"/>
+        <c:crossAx val="991343936"/>
         <c:crosses val="autoZero"/>
         <c:crossBetween val="between"/>
       </c:valAx>
     </c:plotArea>
     <c:legend>
       <c:legendPos val="r"/>
-      <c:layout/>
       <c:overlay val="0"/>
     </c:legend>
     <c:plotVisOnly val="1"/>
@@ -2684,7 +2683,13 @@
               <a:rPr lang="de-DE" baseline="0" dirty="0" smtClean="0">
                 <a:sym typeface="Wingdings" pitchFamily="2" charset="2"/>
               </a:rPr>
-              <a:t>führt zu großem Koordinations- und Zeitaufwand  letztendlich keine Zielführung im Projekt</a:t>
+              <a:t>Das hat zur Folge großen </a:t>
+            </a:r>
+            <a:r>
+              <a:rPr lang="de-DE" baseline="0" dirty="0" smtClean="0">
+                <a:sym typeface="Wingdings" pitchFamily="2" charset="2"/>
+              </a:rPr>
+              <a:t>Koordinations- und Zeitaufwand  letztendlich keine Zielführung im Projekt</a:t>
             </a:r>
             <a:endParaRPr lang="de-DE" dirty="0" smtClean="0"/>
           </a:p>
@@ -2708,7 +2713,19 @@
               <a:rPr lang="de-DE" baseline="0" dirty="0" smtClean="0">
                 <a:sym typeface="Wingdings" pitchFamily="2" charset="2"/>
               </a:rPr>
-              <a:t>Zu beginn abstraktes Modell erstellt  dann direkt Komplettes Programm geplant  daraus entsteht Klassendiagramm</a:t>
+              <a:t>Zu beginn abstraktes Modell erstellt  </a:t>
+            </a:r>
+            <a:r>
+              <a:rPr lang="de-DE" baseline="0" dirty="0" smtClean="0">
+                <a:sym typeface="Wingdings" pitchFamily="2" charset="2"/>
+              </a:rPr>
+              <a:t>auf Grundlage dieses Modelles Komplettes </a:t>
+            </a:r>
+            <a:r>
+              <a:rPr lang="de-DE" baseline="0" dirty="0" smtClean="0">
+                <a:sym typeface="Wingdings" pitchFamily="2" charset="2"/>
+              </a:rPr>
+              <a:t>Programm geplant  daraus entsteht Klassendiagramm</a:t>
             </a:r>
           </a:p>
           <a:p>
@@ -5046,8 +5063,21 @@
                 <a:cs typeface="Arial" panose="020B0604020202020204" pitchFamily="34" charset="0"/>
                 <a:sym typeface="Wingdings" pitchFamily="2" charset="2"/>
               </a:rPr>
-              <a:t>Prototyp entwickelt, mit Benutzeroberfläche und den Schaltflächen</a:t>
-            </a:r>
+              <a:t>Prototyp entwickelt, mit Benutzeroberfläche und </a:t>
+            </a:r>
+            <a:r>
+              <a:rPr lang="de-DE" sz="1200" baseline="0" dirty="0" smtClean="0">
+                <a:latin typeface="Arial" panose="020B0604020202020204" pitchFamily="34" charset="0"/>
+                <a:cs typeface="Arial" panose="020B0604020202020204" pitchFamily="34" charset="0"/>
+                <a:sym typeface="Wingdings" pitchFamily="2" charset="2"/>
+              </a:rPr>
+              <a:t>deren Schaltflächen</a:t>
+            </a:r>
+            <a:endParaRPr lang="de-DE" sz="1200" baseline="0" dirty="0" smtClean="0">
+              <a:latin typeface="Arial" panose="020B0604020202020204" pitchFamily="34" charset="0"/>
+              <a:cs typeface="Arial" panose="020B0604020202020204" pitchFamily="34" charset="0"/>
+              <a:sym typeface="Wingdings" pitchFamily="2" charset="2"/>
+            </a:endParaRPr>
           </a:p>
           <a:p>
             <a:pPr marL="0" marR="0" lvl="0" indent="0" algn="l" defTabSz="914400" rtl="0" eaLnBrk="1" fontAlgn="auto" latinLnBrk="0" hangingPunct="1">
@@ -5073,7 +5103,23 @@
                 <a:cs typeface="Arial" panose="020B0604020202020204" pitchFamily="34" charset="0"/>
                 <a:sym typeface="Wingdings" pitchFamily="2" charset="2"/>
               </a:rPr>
-              <a:t>Dazu Datenbank-Skript aufgesetzt, danach Codiert(zwischendurch und am Ende Test durchgeführt)</a:t>
+              <a:t>Dazu Datenbank-Skript aufgesetzt, </a:t>
+            </a:r>
+            <a:r>
+              <a:rPr lang="de-DE" sz="1200" baseline="0" dirty="0" smtClean="0">
+                <a:latin typeface="Arial" panose="020B0604020202020204" pitchFamily="34" charset="0"/>
+                <a:cs typeface="Arial" panose="020B0604020202020204" pitchFamily="34" charset="0"/>
+                <a:sym typeface="Wingdings" pitchFamily="2" charset="2"/>
+              </a:rPr>
+              <a:t>auf den Grundlagen wurde </a:t>
+            </a:r>
+            <a:r>
+              <a:rPr lang="de-DE" sz="1200" baseline="0" dirty="0" smtClean="0">
+                <a:latin typeface="Arial" panose="020B0604020202020204" pitchFamily="34" charset="0"/>
+                <a:cs typeface="Arial" panose="020B0604020202020204" pitchFamily="34" charset="0"/>
+                <a:sym typeface="Wingdings" pitchFamily="2" charset="2"/>
+              </a:rPr>
+              <a:t>Codiert(zwischendurch und am Ende Test durchgeführt)</a:t>
             </a:r>
           </a:p>
           <a:p>
@@ -20693,7 +20739,6 @@
               <a:rPr lang="de-DE" sz="1200" dirty="0" smtClean="0"/>
               <a:t>23</a:t>
             </a:r>
-            <a:endParaRPr lang="de-DE" sz="1200" dirty="0" smtClean="0"/>
           </a:p>
         </p:txBody>
       </p:sp>
